--- a/ColorPalette.pptx
+++ b/ColorPalette.pptx
@@ -105,7 +105,16 @@
       </a:defRPr>
     </a:lvl9pPr>
   </p:defaultTextStyle>
+  <p:extLst>
+    <p:ext uri="{EFAFB233-063F-42B5-8137-9DF3F51BA10A}">
+      <p15:sldGuideLst xmlns:p15="http://schemas.microsoft.com/office/powerpoint/2012/main"/>
+    </p:ext>
+  </p:extLst>
 </p:presentation>
+</file>
+
+<file path=ppt/revisionInfo.xml><?xml version="1.0" encoding="utf-8"?>
+<p1510:revInfo xmlns:a="http://schemas.openxmlformats.org/drawingml/2006/main" xmlns:r="http://schemas.openxmlformats.org/officeDocument/2006/relationships" xmlns:p1510="http://schemas.microsoft.com/office/powerpoint/2015/10/main"/>
 </file>
 
 <file path=ppt/slideLayouts/slideLayout1.xml><?xml version="1.0" encoding="utf-8"?>
@@ -3374,7 +3383,7 @@
         </p:blipFill>
         <p:spPr>
           <a:xfrm>
-            <a:off x="8755805" y="2328315"/>
+            <a:off x="9026954" y="2370504"/>
             <a:ext cx="1440000" cy="1296894"/>
           </a:xfrm>
           <a:prstGeom prst="rect">
@@ -3791,7 +3800,7 @@
         </p:nvSpPr>
         <p:spPr>
           <a:xfrm>
-            <a:off x="2716195" y="1788613"/>
+            <a:off x="2537509" y="1971752"/>
             <a:ext cx="1347537" cy="1079404"/>
           </a:xfrm>
           <a:prstGeom prst="rect">
@@ -4072,7 +4081,7 @@
         </p:nvSpPr>
         <p:spPr>
           <a:xfrm>
-            <a:off x="1569637" y="5011302"/>
+            <a:off x="1714835" y="5155681"/>
             <a:ext cx="1347537" cy="1079404"/>
           </a:xfrm>
           <a:prstGeom prst="rect">
@@ -4174,7 +4183,7 @@
         </p:nvSpPr>
         <p:spPr>
           <a:xfrm>
-            <a:off x="6343915" y="4916596"/>
+            <a:off x="6319998" y="4955373"/>
             <a:ext cx="1347537" cy="1079404"/>
           </a:xfrm>
           <a:prstGeom prst="rect">
@@ -4786,7 +4795,7 @@
         </p:nvSpPr>
         <p:spPr>
           <a:xfrm>
-            <a:off x="4661295" y="3633523"/>
+            <a:off x="4633920" y="3587341"/>
             <a:ext cx="1347537" cy="1079404"/>
           </a:xfrm>
           <a:prstGeom prst="rect">
